--- a/Server/2025 졸업작품 중점 연구 주제.pptx
+++ b/Server/2025 졸업작품 중점 연구 주제.pptx
@@ -3559,7 +3559,7 @@
           <a:lstStyle/>
           <a:p>
             <a:pPr algn="ctr"/>
-            <a:endParaRPr lang="ko-KR" altLang="en-US"/>
+            <a:endParaRPr lang="ko-KR" altLang="en-US" dirty="0"/>
           </a:p>
         </p:txBody>
       </p:sp>
@@ -3752,6 +3752,42 @@
           </a:extLst>
         </p:spPr>
       </p:pic>
+      <p:sp>
+        <p:nvSpPr>
+          <p:cNvPr id="5" name="TextBox 4">
+            <a:extLst>
+              <a:ext uri="{FF2B5EF4-FFF2-40B4-BE49-F238E27FC236}">
+                <a16:creationId xmlns:a16="http://schemas.microsoft.com/office/drawing/2014/main" id="{0DDB1076-E0CE-8985-ABAB-C9640768B3C6}"/>
+              </a:ext>
+            </a:extLst>
+          </p:cNvPr>
+          <p:cNvSpPr txBox="1"/>
+          <p:nvPr/>
+        </p:nvSpPr>
+        <p:spPr>
+          <a:xfrm>
+            <a:off x="4453467" y="6540206"/>
+            <a:ext cx="8669867" cy="369332"/>
+          </a:xfrm>
+          <a:prstGeom prst="rect">
+            <a:avLst/>
+          </a:prstGeom>
+          <a:noFill/>
+        </p:spPr>
+        <p:txBody>
+          <a:bodyPr wrap="square" rtlCol="0">
+            <a:spAutoFit/>
+          </a:bodyPr>
+          <a:lstStyle/>
+          <a:p>
+            <a:r>
+              <a:rPr lang="en-US" altLang="ko-KR" dirty="0"/>
+              <a:t>https://www.sciencedirect.com/topics/computer-science/dead-reckoning</a:t>
+            </a:r>
+            <a:endParaRPr lang="ko-KR" altLang="en-US" dirty="0"/>
+          </a:p>
+        </p:txBody>
+      </p:sp>
     </p:spTree>
     <p:extLst>
       <p:ext uri="{BB962C8B-B14F-4D97-AF65-F5344CB8AC3E}">
@@ -4199,6 +4235,57 @@
           </a:prstGeom>
         </p:spPr>
       </p:pic>
+      <p:sp>
+        <p:nvSpPr>
+          <p:cNvPr id="6" name="TextBox 5">
+            <a:extLst>
+              <a:ext uri="{FF2B5EF4-FFF2-40B4-BE49-F238E27FC236}">
+                <a16:creationId xmlns:a16="http://schemas.microsoft.com/office/drawing/2014/main" id="{A81CCA78-C10B-593B-1A11-E5F4FE4AD666}"/>
+              </a:ext>
+            </a:extLst>
+          </p:cNvPr>
+          <p:cNvSpPr txBox="1"/>
+          <p:nvPr/>
+        </p:nvSpPr>
+        <p:spPr>
+          <a:xfrm>
+            <a:off x="8325114" y="6467753"/>
+            <a:ext cx="3141133" cy="369332"/>
+          </a:xfrm>
+          <a:prstGeom prst="rect">
+            <a:avLst/>
+          </a:prstGeom>
+          <a:noFill/>
+        </p:spPr>
+        <p:txBody>
+          <a:bodyPr wrap="square" rtlCol="0">
+            <a:spAutoFit/>
+          </a:bodyPr>
+          <a:lstStyle/>
+          <a:p>
+            <a:r>
+              <a:rPr lang="ko-KR" altLang="en-US" dirty="0"/>
+              <a:t>게임</a:t>
+            </a:r>
+            <a:r>
+              <a:rPr lang="en-US" altLang="ko-KR" dirty="0"/>
+              <a:t>(</a:t>
+            </a:r>
+            <a:r>
+              <a:rPr lang="ko-KR" altLang="en-US" dirty="0"/>
+              <a:t>배틀 그라운드</a:t>
+            </a:r>
+            <a:r>
+              <a:rPr lang="en-US" altLang="ko-KR" dirty="0"/>
+              <a:t>) </a:t>
+            </a:r>
+            <a:r>
+              <a:rPr lang="ko-KR" altLang="en-US" dirty="0"/>
+              <a:t>맵 사진</a:t>
+            </a:r>
+          </a:p>
+        </p:txBody>
+      </p:sp>
     </p:spTree>
     <p:extLst>
       <p:ext uri="{BB962C8B-B14F-4D97-AF65-F5344CB8AC3E}">
